--- a/1-3/指南.pptx
+++ b/1-3/指南.pptx
@@ -2782,11 +2782,7 @@
             </a:r>
             <a:r>
               <a:rPr lang="zh-CN" altLang="en-US"/>
-              <a:t>，</a:t>
-            </a:r>
-            <a:r>
-              <a:rPr lang="zh-CN" altLang="en-US"/>
-              <a:t>我们人类的电子科技已经从移动互联网时代走向了人工智能时代。</a:t>
+              <a:t>，我们人类的电子科技已经从移动互联网时代走向了人工智能时代。</a:t>
             </a:r>
             <a:endParaRPr lang="zh-CN" altLang="en-US"/>
           </a:p>
@@ -2832,7 +2828,7 @@
             </a:r>
             <a:r>
               <a:rPr lang="zh-CN" altLang="en-US"/>
-              <a:t>、无人驾驶汽车、智能家居、顶尖科学研究</a:t>
+              <a:t>、无人驾驶汽车、智能家居、科学研究</a:t>
             </a:r>
             <a:r>
               <a:rPr lang="en-US" altLang="en-US"/>
@@ -2850,11 +2846,7 @@
             </a:r>
             <a:r>
               <a:rPr lang="zh-CN" altLang="en-US"/>
-              <a:t>机器学习中的</a:t>
-            </a:r>
-            <a:r>
-              <a:rPr lang="zh-CN" altLang="en-US"/>
-              <a:t>深度学习便是这屡建奇功的神器</a:t>
+              <a:t>机器学习中的深度学习便是这屡建奇功的神器</a:t>
             </a:r>
             <a:endParaRPr lang="zh-CN" altLang="en-US"/>
           </a:p>
@@ -3127,7 +3119,7 @@
             </a:r>
             <a:r>
               <a:rPr lang="zh-CN" altLang="en-US"/>
-              <a:t>编程（变量，函数，类 </a:t>
+              <a:t>编程（变量，函数 </a:t>
             </a:r>
             <a:r>
               <a:rPr lang="en-US" altLang="en-US"/>
@@ -3153,27 +3145,19 @@
             </a:r>
             <a:r>
               <a:rPr lang="en-US" altLang="zh-CN"/>
+              <a:t>/</a:t>
+            </a:r>
+            <a:r>
+              <a:rPr lang="zh-CN" altLang="zh-CN"/>
+              <a:t>向量</a:t>
+            </a:r>
+            <a:r>
+              <a:rPr lang="en-US" altLang="zh-CN"/>
               <a:t>Vector</a:t>
             </a:r>
             <a:r>
               <a:rPr lang="zh-CN" altLang="en-US"/>
-              <a:t>、</a:t>
-            </a:r>
-            <a:r>
-              <a:rPr lang="zh-CN" altLang="en-US"/>
-              <a:t>张量</a:t>
-            </a:r>
-            <a:r>
-              <a:rPr lang="en-US" altLang="zh-CN"/>
-              <a:t>Tensor</a:t>
-            </a:r>
-            <a:r>
-              <a:rPr lang="zh-CN" altLang="en-US"/>
-              <a:t>、</a:t>
-            </a:r>
-            <a:r>
-              <a:rPr lang="zh-CN" altLang="en-US"/>
-              <a:t>· 乘</a:t>
+              <a:t>、· 乘</a:t>
             </a:r>
             <a:r>
               <a:rPr lang="en-US" altLang="zh-CN"/>
@@ -3181,11 +3165,7 @@
             </a:r>
             <a:r>
               <a:rPr lang="zh-CN" altLang="en-US"/>
-              <a:t>乘</a:t>
-            </a:r>
-            <a:r>
-              <a:rPr lang="zh-CN" altLang="en-US"/>
-              <a:t>）</a:t>
+              <a:t>乘）</a:t>
             </a:r>
             <a:endParaRPr lang="zh-CN" altLang="en-US"/>
           </a:p>
@@ -3241,11 +3221,7 @@
             </a:r>
             <a:r>
               <a:rPr lang="zh-CN" altLang="en-US"/>
-              <a:t>有一些隐藏坑</a:t>
-            </a:r>
-            <a:r>
-              <a:rPr lang="zh-CN" altLang="en-US"/>
-              <a:t>）</a:t>
+              <a:t>有一些隐藏坑）</a:t>
             </a:r>
             <a:endParaRPr lang="zh-CN" altLang="en-US"/>
           </a:p>
@@ -3275,15 +3251,15 @@
             </a:r>
             <a:r>
               <a:rPr lang="zh-CN" altLang="en-US"/>
-              <a:t>简单的图片处理经验（</a:t>
+              <a:t>简单的图片处理（</a:t>
             </a:r>
             <a:r>
               <a:rPr lang="en-US" altLang="zh-CN"/>
-              <a:t>RGB</a:t>
-            </a:r>
-            <a:r>
-              <a:rPr lang="zh-CN" altLang="en-US"/>
-              <a:t>、灰度）</a:t>
+              <a:t>RGB=&gt;</a:t>
+            </a:r>
+            <a:r>
+              <a:rPr lang="zh-CN" altLang="en-US"/>
+              <a:t>灰度）</a:t>
             </a:r>
             <a:endParaRPr lang="zh-CN" altLang="en-US"/>
           </a:p>
@@ -3338,7 +3314,7 @@
           <a:p>
             <a:r>
               <a:rPr lang="zh-CN" altLang="en-US"/>
-              <a:t>如果没有预备知识，可以去</a:t>
+              <a:t>如果需要巩固预备知识，可以去</a:t>
             </a:r>
             <a:endParaRPr lang="zh-CN" altLang="en-US"/>
           </a:p>
@@ -3690,7 +3666,7 @@
             </a:r>
             <a:r>
               <a:rPr lang="en-US" altLang="zh-CN"/>
-              <a:t>1</a:t>
+              <a:t>2</a:t>
             </a:r>
             <a:r>
               <a:rPr lang="zh-CN" altLang="en-US"/>

--- a/1-3/指南.pptx
+++ b/1-3/指南.pptx
@@ -3726,7 +3726,7 @@
             </a:pPr>
             <a:r>
               <a:rPr lang="zh-CN" altLang="en-US"/>
-              <a:t>想先明白神经网络是什么的同学可以调到第</a:t>
+              <a:t>想先明白神经网络是什么的同学可以跳到第</a:t>
             </a:r>
             <a:r>
               <a:rPr lang="en-US" altLang="zh-CN"/>
